--- a/weekly_dashboard/dashboard-04-28.pptx
+++ b/weekly_dashboard/dashboard-04-28.pptx
@@ -5026,7 +5026,7 @@
                 <a:rPr lang="en-US" dirty="0">
                   <a:latin typeface="Century Gothic" panose="020B0502020202020204" pitchFamily="34" charset="0"/>
                 </a:rPr>
-                <a:t>WireShark </a:t>
+                <a:t>Computer </a:t>
               </a:r>
             </a:p>
           </p:txBody>
